--- a/supplementary_analysis/confusion_matrices/supp_conf_matrices.pptx
+++ b/supplementary_analysis/confusion_matrices/supp_conf_matrices.pptx
@@ -104,6 +104,11 @@
       </a:defRPr>
     </a:lvl9pPr>
   </p:defaultTextStyle>
+  <p:extLst>
+    <p:ext uri="{EFAFB233-063F-42B5-8137-9DF3F51BA10A}">
+      <p15:sldGuideLst xmlns:p15="http://schemas.microsoft.com/office/powerpoint/2012/main"/>
+    </p:ext>
+  </p:extLst>
 </p:presentation>
 </file>
 
@@ -3323,10 +3328,10 @@
       </p:grpSpPr>
       <p:grpSp>
         <p:nvGrpSpPr>
-          <p:cNvPr id="29" name="Group 28">
-            <a:extLst>
-              <a:ext uri="{FF2B5EF4-FFF2-40B4-BE49-F238E27FC236}">
-                <a16:creationId xmlns:a16="http://schemas.microsoft.com/office/drawing/2014/main" id="{3106A56A-E2BC-E24C-BB73-B3077C9861F4}"/>
+          <p:cNvPr id="2" name="Group 1">
+            <a:extLst>
+              <a:ext uri="{FF2B5EF4-FFF2-40B4-BE49-F238E27FC236}">
+                <a16:creationId xmlns:a16="http://schemas.microsoft.com/office/drawing/2014/main" id="{174E500A-2250-FB4C-A488-4EE5D870F73A}"/>
               </a:ext>
             </a:extLst>
           </p:cNvPr>
@@ -3341,235 +3346,333 @@
             <a:chExt cx="12845568" cy="8172427"/>
           </a:xfrm>
         </p:grpSpPr>
-        <p:pic>
-          <p:nvPicPr>
-            <p:cNvPr id="9" name="Picture 8" descr="A screenshot of a cell phone&#10;&#10;Description automatically generated">
+        <p:grpSp>
+          <p:nvGrpSpPr>
+            <p:cNvPr id="29" name="Group 28">
               <a:extLst>
                 <a:ext uri="{FF2B5EF4-FFF2-40B4-BE49-F238E27FC236}">
-                  <a16:creationId xmlns:a16="http://schemas.microsoft.com/office/drawing/2014/main" id="{E8A1E4DE-1618-EF4A-B7D7-2431793E0411}"/>
+                  <a16:creationId xmlns:a16="http://schemas.microsoft.com/office/drawing/2014/main" id="{3106A56A-E2BC-E24C-BB73-B3077C9861F4}"/>
                 </a:ext>
               </a:extLst>
             </p:cNvPr>
-            <p:cNvPicPr>
-              <a:picLocks noChangeAspect="1"/>
-            </p:cNvPicPr>
+            <p:cNvGrpSpPr/>
             <p:nvPr/>
-          </p:nvPicPr>
-          <p:blipFill>
-            <a:blip r:embed="rId2"/>
-            <a:stretch>
-              <a:fillRect/>
-            </a:stretch>
-          </p:blipFill>
-          <p:spPr>
+          </p:nvGrpSpPr>
+          <p:grpSpPr>
             <a:xfrm>
-              <a:off x="3987813" y="-455665"/>
-              <a:ext cx="4867275" cy="3657600"/>
+              <a:off x="0" y="-685495"/>
+              <a:ext cx="12845568" cy="8172427"/>
+              <a:chOff x="0" y="-685495"/>
+              <a:chExt cx="12845568" cy="8172427"/>
             </a:xfrm>
-            <a:prstGeom prst="rect">
-              <a:avLst/>
-            </a:prstGeom>
-          </p:spPr>
-        </p:pic>
-        <p:pic>
-          <p:nvPicPr>
-            <p:cNvPr id="11" name="Picture 10" descr="A screenshot of a cell phone&#10;&#10;Description automatically generated">
+          </p:grpSpPr>
+          <p:pic>
+            <p:nvPicPr>
+              <p:cNvPr id="9" name="Picture 8" descr="A screenshot of a cell phone&#10;&#10;Description automatically generated">
+                <a:extLst>
+                  <a:ext uri="{FF2B5EF4-FFF2-40B4-BE49-F238E27FC236}">
+                    <a16:creationId xmlns:a16="http://schemas.microsoft.com/office/drawing/2014/main" id="{E8A1E4DE-1618-EF4A-B7D7-2431793E0411}"/>
+                  </a:ext>
+                </a:extLst>
+              </p:cNvPr>
+              <p:cNvPicPr>
+                <a:picLocks noChangeAspect="1"/>
+              </p:cNvPicPr>
+              <p:nvPr/>
+            </p:nvPicPr>
+            <p:blipFill>
+              <a:blip r:embed="rId2"/>
+              <a:stretch>
+                <a:fillRect/>
+              </a:stretch>
+            </p:blipFill>
+            <p:spPr>
+              <a:xfrm>
+                <a:off x="3987813" y="-455665"/>
+                <a:ext cx="4867275" cy="3657600"/>
+              </a:xfrm>
+              <a:prstGeom prst="rect">
+                <a:avLst/>
+              </a:prstGeom>
+            </p:spPr>
+          </p:pic>
+          <p:pic>
+            <p:nvPicPr>
+              <p:cNvPr id="11" name="Picture 10" descr="A screenshot of a cell phone&#10;&#10;Description automatically generated">
+                <a:extLst>
+                  <a:ext uri="{FF2B5EF4-FFF2-40B4-BE49-F238E27FC236}">
+                    <a16:creationId xmlns:a16="http://schemas.microsoft.com/office/drawing/2014/main" id="{64653B19-5F46-C348-A9F5-A7EF2768AC0F}"/>
+                  </a:ext>
+                </a:extLst>
+              </p:cNvPr>
+              <p:cNvPicPr>
+                <a:picLocks noChangeAspect="1"/>
+              </p:cNvPicPr>
+              <p:nvPr/>
+            </p:nvPicPr>
+            <p:blipFill>
+              <a:blip r:embed="rId3"/>
+              <a:stretch>
+                <a:fillRect/>
+              </a:stretch>
+            </p:blipFill>
+            <p:spPr>
+              <a:xfrm>
+                <a:off x="3990480" y="3831336"/>
+                <a:ext cx="4864608" cy="3655596"/>
+              </a:xfrm>
+              <a:prstGeom prst="rect">
+                <a:avLst/>
+              </a:prstGeom>
+            </p:spPr>
+          </p:pic>
+          <p:cxnSp>
+            <p:nvCxnSpPr>
+              <p:cNvPr id="18" name="Straight Connector 17">
+                <a:extLst>
+                  <a:ext uri="{FF2B5EF4-FFF2-40B4-BE49-F238E27FC236}">
+                    <a16:creationId xmlns:a16="http://schemas.microsoft.com/office/drawing/2014/main" id="{F8B80C7F-AC22-7348-8C25-31A14278C213}"/>
+                  </a:ext>
+                </a:extLst>
+              </p:cNvPr>
+              <p:cNvCxnSpPr>
+                <a:cxnSpLocks/>
+              </p:cNvCxnSpPr>
+              <p:nvPr/>
+            </p:nvCxnSpPr>
+            <p:spPr>
+              <a:xfrm>
+                <a:off x="2162827" y="3551483"/>
+                <a:ext cx="8517246" cy="0"/>
+              </a:xfrm>
+              <a:prstGeom prst="line">
+                <a:avLst/>
+              </a:prstGeom>
+              <a:ln w="63500">
+                <a:solidFill>
+                  <a:schemeClr val="tx1"/>
+                </a:solidFill>
+              </a:ln>
+            </p:spPr>
+            <p:style>
+              <a:lnRef idx="1">
+                <a:schemeClr val="accent1"/>
+              </a:lnRef>
+              <a:fillRef idx="0">
+                <a:schemeClr val="accent1"/>
+              </a:fillRef>
+              <a:effectRef idx="0">
+                <a:schemeClr val="accent1"/>
+              </a:effectRef>
+              <a:fontRef idx="minor">
+                <a:schemeClr val="tx1"/>
+              </a:fontRef>
+            </p:style>
+          </p:cxnSp>
+          <p:pic>
+            <p:nvPicPr>
+              <p:cNvPr id="21" name="Picture 20" descr="A screenshot of a cell phone&#10;&#10;Description automatically generated">
+                <a:extLst>
+                  <a:ext uri="{FF2B5EF4-FFF2-40B4-BE49-F238E27FC236}">
+                    <a16:creationId xmlns:a16="http://schemas.microsoft.com/office/drawing/2014/main" id="{BA44D6EA-4B32-4D41-AD8B-89182C7AE0F9}"/>
+                  </a:ext>
+                </a:extLst>
+              </p:cNvPr>
+              <p:cNvPicPr>
+                <a:picLocks noChangeAspect="1"/>
+              </p:cNvPicPr>
+              <p:nvPr/>
+            </p:nvPicPr>
+            <p:blipFill>
+              <a:blip r:embed="rId4"/>
+              <a:stretch>
+                <a:fillRect/>
+              </a:stretch>
+            </p:blipFill>
+            <p:spPr>
+              <a:xfrm>
+                <a:off x="0" y="-453661"/>
+                <a:ext cx="4864608" cy="3655596"/>
+              </a:xfrm>
+              <a:prstGeom prst="rect">
+                <a:avLst/>
+              </a:prstGeom>
+            </p:spPr>
+          </p:pic>
+          <p:pic>
+            <p:nvPicPr>
+              <p:cNvPr id="23" name="Picture 22" descr="A screenshot of a cell phone&#10;&#10;Description automatically generated">
+                <a:extLst>
+                  <a:ext uri="{FF2B5EF4-FFF2-40B4-BE49-F238E27FC236}">
+                    <a16:creationId xmlns:a16="http://schemas.microsoft.com/office/drawing/2014/main" id="{1EF4CAAB-2EA4-1243-B243-CBA8AB904E5C}"/>
+                  </a:ext>
+                </a:extLst>
+              </p:cNvPr>
+              <p:cNvPicPr>
+                <a:picLocks noChangeAspect="1"/>
+              </p:cNvPicPr>
+              <p:nvPr/>
+            </p:nvPicPr>
+            <p:blipFill>
+              <a:blip r:embed="rId5"/>
+              <a:stretch>
+                <a:fillRect/>
+              </a:stretch>
+            </p:blipFill>
+            <p:spPr>
+              <a:xfrm>
+                <a:off x="0" y="3831336"/>
+                <a:ext cx="4864608" cy="3655596"/>
+              </a:xfrm>
+              <a:prstGeom prst="rect">
+                <a:avLst/>
+              </a:prstGeom>
+            </p:spPr>
+          </p:pic>
+          <p:pic>
+            <p:nvPicPr>
+              <p:cNvPr id="25" name="Picture 24" descr="A screenshot of a cell phone&#10;&#10;Description automatically generated">
+                <a:extLst>
+                  <a:ext uri="{FF2B5EF4-FFF2-40B4-BE49-F238E27FC236}">
+                    <a16:creationId xmlns:a16="http://schemas.microsoft.com/office/drawing/2014/main" id="{EC7C27C8-B2C3-204B-B51B-626E3A3E321A}"/>
+                  </a:ext>
+                </a:extLst>
+              </p:cNvPr>
+              <p:cNvPicPr>
+                <a:picLocks noChangeAspect="1"/>
+              </p:cNvPicPr>
+              <p:nvPr/>
+            </p:nvPicPr>
+            <p:blipFill>
+              <a:blip r:embed="rId6"/>
+              <a:stretch>
+                <a:fillRect/>
+              </a:stretch>
+            </p:blipFill>
+            <p:spPr>
+              <a:xfrm>
+                <a:off x="7980960" y="-453661"/>
+                <a:ext cx="4864608" cy="3655596"/>
+              </a:xfrm>
+              <a:prstGeom prst="rect">
+                <a:avLst/>
+              </a:prstGeom>
+            </p:spPr>
+          </p:pic>
+          <p:pic>
+            <p:nvPicPr>
+              <p:cNvPr id="27" name="Picture 26" descr="A screenshot of a cell phone&#10;&#10;Description automatically generated">
+                <a:extLst>
+                  <a:ext uri="{FF2B5EF4-FFF2-40B4-BE49-F238E27FC236}">
+                    <a16:creationId xmlns:a16="http://schemas.microsoft.com/office/drawing/2014/main" id="{1D296468-B0FF-FF4F-B772-5E29D3D6CBAC}"/>
+                  </a:ext>
+                </a:extLst>
+              </p:cNvPr>
+              <p:cNvPicPr>
+                <a:picLocks noChangeAspect="1"/>
+              </p:cNvPicPr>
+              <p:nvPr/>
+            </p:nvPicPr>
+            <p:blipFill>
+              <a:blip r:embed="rId7"/>
+              <a:stretch>
+                <a:fillRect/>
+              </a:stretch>
+            </p:blipFill>
+            <p:spPr>
+              <a:xfrm>
+                <a:off x="7980960" y="3831336"/>
+                <a:ext cx="4864608" cy="3655596"/>
+              </a:xfrm>
+              <a:prstGeom prst="rect">
+                <a:avLst/>
+              </a:prstGeom>
+            </p:spPr>
+          </p:pic>
+          <p:sp>
+            <p:nvSpPr>
+              <p:cNvPr id="17" name="TextBox 16">
+                <a:extLst>
+                  <a:ext uri="{FF2B5EF4-FFF2-40B4-BE49-F238E27FC236}">
+                    <a16:creationId xmlns:a16="http://schemas.microsoft.com/office/drawing/2014/main" id="{089D23E0-4F99-0648-BCBF-DFD57C338BD7}"/>
+                  </a:ext>
+                </a:extLst>
+              </p:cNvPr>
+              <p:cNvSpPr txBox="1"/>
+              <p:nvPr/>
+            </p:nvSpPr>
+            <p:spPr>
+              <a:xfrm>
+                <a:off x="0" y="3600503"/>
+                <a:ext cx="2807368" cy="461665"/>
+              </a:xfrm>
+              <a:prstGeom prst="rect">
+                <a:avLst/>
+              </a:prstGeom>
+              <a:noFill/>
+            </p:spPr>
+            <p:txBody>
+              <a:bodyPr wrap="square" rtlCol="0">
+                <a:spAutoFit/>
+              </a:bodyPr>
+              <a:lstStyle/>
+              <a:p>
+                <a:r>
+                  <a:rPr lang="en-US" sz="2400" dirty="0">
+                    <a:latin typeface="Helvetica" pitchFamily="2" charset="0"/>
+                  </a:rPr>
+                  <a:t>Confirmatory</a:t>
+                </a:r>
+                <a:endParaRPr lang="en-US" sz="2000" dirty="0">
+                  <a:latin typeface="Helvetica" pitchFamily="2" charset="0"/>
+                </a:endParaRPr>
+              </a:p>
+            </p:txBody>
+          </p:sp>
+          <p:sp>
+            <p:nvSpPr>
+              <p:cNvPr id="16" name="TextBox 15">
+                <a:extLst>
+                  <a:ext uri="{FF2B5EF4-FFF2-40B4-BE49-F238E27FC236}">
+                    <a16:creationId xmlns:a16="http://schemas.microsoft.com/office/drawing/2014/main" id="{2B426374-4C30-5F4A-A9C3-D31193BFFCAC}"/>
+                  </a:ext>
+                </a:extLst>
+              </p:cNvPr>
+              <p:cNvSpPr txBox="1"/>
+              <p:nvPr/>
+            </p:nvSpPr>
+            <p:spPr>
+              <a:xfrm>
+                <a:off x="0" y="-685495"/>
+                <a:ext cx="2807368" cy="461665"/>
+              </a:xfrm>
+              <a:prstGeom prst="rect">
+                <a:avLst/>
+              </a:prstGeom>
+              <a:noFill/>
+            </p:spPr>
+            <p:txBody>
+              <a:bodyPr wrap="square" rtlCol="0">
+                <a:spAutoFit/>
+              </a:bodyPr>
+              <a:lstStyle/>
+              <a:p>
+                <a:r>
+                  <a:rPr lang="en-US" sz="2400" dirty="0">
+                    <a:latin typeface="Helvetica" pitchFamily="2" charset="0"/>
+                  </a:rPr>
+                  <a:t>Exploratory</a:t>
+                </a:r>
+              </a:p>
+            </p:txBody>
+          </p:sp>
+        </p:grpSp>
+        <p:sp>
+          <p:nvSpPr>
+            <p:cNvPr id="12" name="TextBox 11">
               <a:extLst>
                 <a:ext uri="{FF2B5EF4-FFF2-40B4-BE49-F238E27FC236}">
-                  <a16:creationId xmlns:a16="http://schemas.microsoft.com/office/drawing/2014/main" id="{64653B19-5F46-C348-A9F5-A7EF2768AC0F}"/>
-                </a:ext>
-              </a:extLst>
-            </p:cNvPr>
-            <p:cNvPicPr>
-              <a:picLocks noChangeAspect="1"/>
-            </p:cNvPicPr>
-            <p:nvPr/>
-          </p:nvPicPr>
-          <p:blipFill>
-            <a:blip r:embed="rId3"/>
-            <a:stretch>
-              <a:fillRect/>
-            </a:stretch>
-          </p:blipFill>
-          <p:spPr>
-            <a:xfrm>
-              <a:off x="3990480" y="3831336"/>
-              <a:ext cx="4864608" cy="3655596"/>
-            </a:xfrm>
-            <a:prstGeom prst="rect">
-              <a:avLst/>
-            </a:prstGeom>
-          </p:spPr>
-        </p:pic>
-        <p:cxnSp>
-          <p:nvCxnSpPr>
-            <p:cNvPr id="18" name="Straight Connector 17">
-              <a:extLst>
-                <a:ext uri="{FF2B5EF4-FFF2-40B4-BE49-F238E27FC236}">
-                  <a16:creationId xmlns:a16="http://schemas.microsoft.com/office/drawing/2014/main" id="{F8B80C7F-AC22-7348-8C25-31A14278C213}"/>
-                </a:ext>
-              </a:extLst>
-            </p:cNvPr>
-            <p:cNvCxnSpPr>
-              <a:cxnSpLocks/>
-            </p:cNvCxnSpPr>
-            <p:nvPr/>
-          </p:nvCxnSpPr>
-          <p:spPr>
-            <a:xfrm>
-              <a:off x="2162827" y="3551483"/>
-              <a:ext cx="8517246" cy="0"/>
-            </a:xfrm>
-            <a:prstGeom prst="line">
-              <a:avLst/>
-            </a:prstGeom>
-            <a:ln w="63500">
-              <a:solidFill>
-                <a:schemeClr val="tx1"/>
-              </a:solidFill>
-            </a:ln>
-          </p:spPr>
-          <p:style>
-            <a:lnRef idx="1">
-              <a:schemeClr val="accent1"/>
-            </a:lnRef>
-            <a:fillRef idx="0">
-              <a:schemeClr val="accent1"/>
-            </a:fillRef>
-            <a:effectRef idx="0">
-              <a:schemeClr val="accent1"/>
-            </a:effectRef>
-            <a:fontRef idx="minor">
-              <a:schemeClr val="tx1"/>
-            </a:fontRef>
-          </p:style>
-        </p:cxnSp>
-        <p:pic>
-          <p:nvPicPr>
-            <p:cNvPr id="21" name="Picture 20" descr="A screenshot of a cell phone&#10;&#10;Description automatically generated">
-              <a:extLst>
-                <a:ext uri="{FF2B5EF4-FFF2-40B4-BE49-F238E27FC236}">
-                  <a16:creationId xmlns:a16="http://schemas.microsoft.com/office/drawing/2014/main" id="{BA44D6EA-4B32-4D41-AD8B-89182C7AE0F9}"/>
-                </a:ext>
-              </a:extLst>
-            </p:cNvPr>
-            <p:cNvPicPr>
-              <a:picLocks noChangeAspect="1"/>
-            </p:cNvPicPr>
-            <p:nvPr/>
-          </p:nvPicPr>
-          <p:blipFill>
-            <a:blip r:embed="rId4"/>
-            <a:stretch>
-              <a:fillRect/>
-            </a:stretch>
-          </p:blipFill>
-          <p:spPr>
-            <a:xfrm>
-              <a:off x="0" y="-453661"/>
-              <a:ext cx="4864608" cy="3655596"/>
-            </a:xfrm>
-            <a:prstGeom prst="rect">
-              <a:avLst/>
-            </a:prstGeom>
-          </p:spPr>
-        </p:pic>
-        <p:pic>
-          <p:nvPicPr>
-            <p:cNvPr id="23" name="Picture 22" descr="A screenshot of a cell phone&#10;&#10;Description automatically generated">
-              <a:extLst>
-                <a:ext uri="{FF2B5EF4-FFF2-40B4-BE49-F238E27FC236}">
-                  <a16:creationId xmlns:a16="http://schemas.microsoft.com/office/drawing/2014/main" id="{1EF4CAAB-2EA4-1243-B243-CBA8AB904E5C}"/>
-                </a:ext>
-              </a:extLst>
-            </p:cNvPr>
-            <p:cNvPicPr>
-              <a:picLocks noChangeAspect="1"/>
-            </p:cNvPicPr>
-            <p:nvPr/>
-          </p:nvPicPr>
-          <p:blipFill>
-            <a:blip r:embed="rId5"/>
-            <a:stretch>
-              <a:fillRect/>
-            </a:stretch>
-          </p:blipFill>
-          <p:spPr>
-            <a:xfrm>
-              <a:off x="0" y="3831336"/>
-              <a:ext cx="4864608" cy="3655596"/>
-            </a:xfrm>
-            <a:prstGeom prst="rect">
-              <a:avLst/>
-            </a:prstGeom>
-          </p:spPr>
-        </p:pic>
-        <p:pic>
-          <p:nvPicPr>
-            <p:cNvPr id="25" name="Picture 24" descr="A screenshot of a cell phone&#10;&#10;Description automatically generated">
-              <a:extLst>
-                <a:ext uri="{FF2B5EF4-FFF2-40B4-BE49-F238E27FC236}">
-                  <a16:creationId xmlns:a16="http://schemas.microsoft.com/office/drawing/2014/main" id="{EC7C27C8-B2C3-204B-B51B-626E3A3E321A}"/>
-                </a:ext>
-              </a:extLst>
-            </p:cNvPr>
-            <p:cNvPicPr>
-              <a:picLocks noChangeAspect="1"/>
-            </p:cNvPicPr>
-            <p:nvPr/>
-          </p:nvPicPr>
-          <p:blipFill>
-            <a:blip r:embed="rId6"/>
-            <a:stretch>
-              <a:fillRect/>
-            </a:stretch>
-          </p:blipFill>
-          <p:spPr>
-            <a:xfrm>
-              <a:off x="7980960" y="-453661"/>
-              <a:ext cx="4864608" cy="3655596"/>
-            </a:xfrm>
-            <a:prstGeom prst="rect">
-              <a:avLst/>
-            </a:prstGeom>
-          </p:spPr>
-        </p:pic>
-        <p:pic>
-          <p:nvPicPr>
-            <p:cNvPr id="27" name="Picture 26" descr="A screenshot of a cell phone&#10;&#10;Description automatically generated">
-              <a:extLst>
-                <a:ext uri="{FF2B5EF4-FFF2-40B4-BE49-F238E27FC236}">
-                  <a16:creationId xmlns:a16="http://schemas.microsoft.com/office/drawing/2014/main" id="{1D296468-B0FF-FF4F-B772-5E29D3D6CBAC}"/>
-                </a:ext>
-              </a:extLst>
-            </p:cNvPr>
-            <p:cNvPicPr>
-              <a:picLocks noChangeAspect="1"/>
-            </p:cNvPicPr>
-            <p:nvPr/>
-          </p:nvPicPr>
-          <p:blipFill>
-            <a:blip r:embed="rId7"/>
-            <a:stretch>
-              <a:fillRect/>
-            </a:stretch>
-          </p:blipFill>
-          <p:spPr>
-            <a:xfrm>
-              <a:off x="7980960" y="3831336"/>
-              <a:ext cx="4864608" cy="3655596"/>
-            </a:xfrm>
-            <a:prstGeom prst="rect">
-              <a:avLst/>
-            </a:prstGeom>
-          </p:spPr>
-        </p:pic>
-        <p:sp>
-          <p:nvSpPr>
-            <p:cNvPr id="17" name="TextBox 16">
-              <a:extLst>
-                <a:ext uri="{FF2B5EF4-FFF2-40B4-BE49-F238E27FC236}">
-                  <a16:creationId xmlns:a16="http://schemas.microsoft.com/office/drawing/2014/main" id="{089D23E0-4F99-0648-BCBF-DFD57C338BD7}"/>
+                  <a16:creationId xmlns:a16="http://schemas.microsoft.com/office/drawing/2014/main" id="{EC5670EC-2E42-1D4F-A26A-3A4CEADD6A81}"/>
                 </a:ext>
               </a:extLst>
             </p:cNvPr>
@@ -3578,13 +3681,15 @@
           </p:nvSpPr>
           <p:spPr>
             <a:xfrm>
-              <a:off x="0" y="3600503"/>
-              <a:ext cx="2807368" cy="461665"/>
+              <a:off x="9970475" y="-488163"/>
+              <a:ext cx="612129" cy="276999"/>
             </a:xfrm>
             <a:prstGeom prst="rect">
               <a:avLst/>
             </a:prstGeom>
-            <a:noFill/>
+            <a:solidFill>
+              <a:schemeClr val="bg1"/>
+            </a:solidFill>
           </p:spPr>
           <p:txBody>
             <a:bodyPr wrap="square" rtlCol="0">
@@ -3592,13 +3697,14 @@
             </a:bodyPr>
             <a:lstStyle/>
             <a:p>
+              <a:pPr algn="ctr"/>
               <a:r>
-                <a:rPr lang="en-US" sz="2400" dirty="0">
+                <a:rPr lang="en-US" sz="1200" dirty="0" err="1">
                   <a:latin typeface="Helvetica" pitchFamily="2" charset="0"/>
                 </a:rPr>
-                <a:t>Confirmatory</a:t>
+                <a:t>SMø</a:t>
               </a:r>
-              <a:endParaRPr lang="en-US" sz="2000" dirty="0">
+              <a:endParaRPr lang="en-US" dirty="0">
                 <a:latin typeface="Helvetica" pitchFamily="2" charset="0"/>
               </a:endParaRPr>
             </a:p>
@@ -3606,10 +3712,10 @@
         </p:sp>
         <p:sp>
           <p:nvSpPr>
-            <p:cNvPr id="16" name="TextBox 15">
+            <p:cNvPr id="13" name="TextBox 12">
               <a:extLst>
                 <a:ext uri="{FF2B5EF4-FFF2-40B4-BE49-F238E27FC236}">
-                  <a16:creationId xmlns:a16="http://schemas.microsoft.com/office/drawing/2014/main" id="{2B426374-4C30-5F4A-A9C3-D31193BFFCAC}"/>
+                  <a16:creationId xmlns:a16="http://schemas.microsoft.com/office/drawing/2014/main" id="{1D07034D-184F-454F-96F0-F3B3E99C13BA}"/>
                 </a:ext>
               </a:extLst>
             </p:cNvPr>
@@ -3618,13 +3724,15 @@
           </p:nvSpPr>
           <p:spPr>
             <a:xfrm>
-              <a:off x="0" y="-685495"/>
-              <a:ext cx="2807368" cy="461665"/>
+              <a:off x="6194775" y="-477975"/>
+              <a:ext cx="612129" cy="276999"/>
             </a:xfrm>
             <a:prstGeom prst="rect">
               <a:avLst/>
             </a:prstGeom>
-            <a:noFill/>
+            <a:solidFill>
+              <a:schemeClr val="bg1"/>
+            </a:solidFill>
           </p:spPr>
           <p:txBody>
             <a:bodyPr wrap="square" rtlCol="0">
@@ -3632,12 +3740,188 @@
             </a:bodyPr>
             <a:lstStyle/>
             <a:p>
+              <a:pPr algn="ctr"/>
               <a:r>
-                <a:rPr lang="en-US" sz="2400" dirty="0">
+                <a:rPr lang="en-US" sz="1200" dirty="0" err="1">
                   <a:latin typeface="Helvetica" pitchFamily="2" charset="0"/>
                 </a:rPr>
-                <a:t>Exploratory</a:t>
+                <a:t>SøR</a:t>
               </a:r>
+              <a:endParaRPr lang="en-US" dirty="0">
+                <a:latin typeface="Helvetica" pitchFamily="2" charset="0"/>
+              </a:endParaRPr>
+            </a:p>
+          </p:txBody>
+        </p:sp>
+        <p:sp>
+          <p:nvSpPr>
+            <p:cNvPr id="14" name="TextBox 13">
+              <a:extLst>
+                <a:ext uri="{FF2B5EF4-FFF2-40B4-BE49-F238E27FC236}">
+                  <a16:creationId xmlns:a16="http://schemas.microsoft.com/office/drawing/2014/main" id="{DC554F8C-F7D0-EF45-AA95-694AC3B27350}"/>
+                </a:ext>
+              </a:extLst>
+            </p:cNvPr>
+            <p:cNvSpPr txBox="1"/>
+            <p:nvPr/>
+          </p:nvSpPr>
+          <p:spPr>
+            <a:xfrm>
+              <a:off x="2213405" y="-477975"/>
+              <a:ext cx="612129" cy="276999"/>
+            </a:xfrm>
+            <a:prstGeom prst="rect">
+              <a:avLst/>
+            </a:prstGeom>
+            <a:solidFill>
+              <a:schemeClr val="bg1"/>
+            </a:solidFill>
+          </p:spPr>
+          <p:txBody>
+            <a:bodyPr wrap="square" rtlCol="0">
+              <a:spAutoFit/>
+            </a:bodyPr>
+            <a:lstStyle/>
+            <a:p>
+              <a:pPr algn="ctr"/>
+              <a:r>
+                <a:rPr lang="en-US" sz="1200" dirty="0" err="1">
+                  <a:latin typeface="Helvetica" pitchFamily="2" charset="0"/>
+                </a:rPr>
+                <a:t>øMR</a:t>
+              </a:r>
+              <a:endParaRPr lang="en-US" dirty="0">
+                <a:latin typeface="Helvetica" pitchFamily="2" charset="0"/>
+              </a:endParaRPr>
+            </a:p>
+          </p:txBody>
+        </p:sp>
+        <p:sp>
+          <p:nvSpPr>
+            <p:cNvPr id="15" name="TextBox 14">
+              <a:extLst>
+                <a:ext uri="{FF2B5EF4-FFF2-40B4-BE49-F238E27FC236}">
+                  <a16:creationId xmlns:a16="http://schemas.microsoft.com/office/drawing/2014/main" id="{08437730-1FE2-734D-8AB0-02EF92E5BCCB}"/>
+                </a:ext>
+              </a:extLst>
+            </p:cNvPr>
+            <p:cNvSpPr txBox="1"/>
+            <p:nvPr/>
+          </p:nvSpPr>
+          <p:spPr>
+            <a:xfrm>
+              <a:off x="2213404" y="3811552"/>
+              <a:ext cx="612129" cy="276999"/>
+            </a:xfrm>
+            <a:prstGeom prst="rect">
+              <a:avLst/>
+            </a:prstGeom>
+            <a:solidFill>
+              <a:schemeClr val="bg1"/>
+            </a:solidFill>
+          </p:spPr>
+          <p:txBody>
+            <a:bodyPr wrap="square" rtlCol="0">
+              <a:spAutoFit/>
+            </a:bodyPr>
+            <a:lstStyle/>
+            <a:p>
+              <a:pPr algn="ctr"/>
+              <a:r>
+                <a:rPr lang="en-US" sz="1200" dirty="0" err="1">
+                  <a:latin typeface="Helvetica" pitchFamily="2" charset="0"/>
+                </a:rPr>
+                <a:t>øMR</a:t>
+              </a:r>
+              <a:endParaRPr lang="en-US" dirty="0">
+                <a:latin typeface="Helvetica" pitchFamily="2" charset="0"/>
+              </a:endParaRPr>
+            </a:p>
+          </p:txBody>
+        </p:sp>
+        <p:sp>
+          <p:nvSpPr>
+            <p:cNvPr id="19" name="TextBox 18">
+              <a:extLst>
+                <a:ext uri="{FF2B5EF4-FFF2-40B4-BE49-F238E27FC236}">
+                  <a16:creationId xmlns:a16="http://schemas.microsoft.com/office/drawing/2014/main" id="{A7A79B83-9124-354C-B3E5-61E3428B9189}"/>
+                </a:ext>
+              </a:extLst>
+            </p:cNvPr>
+            <p:cNvSpPr txBox="1"/>
+            <p:nvPr/>
+          </p:nvSpPr>
+          <p:spPr>
+            <a:xfrm>
+              <a:off x="6203884" y="3810643"/>
+              <a:ext cx="612129" cy="276999"/>
+            </a:xfrm>
+            <a:prstGeom prst="rect">
+              <a:avLst/>
+            </a:prstGeom>
+            <a:solidFill>
+              <a:schemeClr val="bg1"/>
+            </a:solidFill>
+          </p:spPr>
+          <p:txBody>
+            <a:bodyPr wrap="square" rtlCol="0">
+              <a:spAutoFit/>
+            </a:bodyPr>
+            <a:lstStyle/>
+            <a:p>
+              <a:pPr algn="ctr"/>
+              <a:r>
+                <a:rPr lang="en-US" sz="1200" dirty="0" err="1">
+                  <a:latin typeface="Helvetica" pitchFamily="2" charset="0"/>
+                </a:rPr>
+                <a:t>SøR</a:t>
+              </a:r>
+              <a:endParaRPr lang="en-US" dirty="0">
+                <a:latin typeface="Helvetica" pitchFamily="2" charset="0"/>
+              </a:endParaRPr>
+            </a:p>
+          </p:txBody>
+        </p:sp>
+        <p:sp>
+          <p:nvSpPr>
+            <p:cNvPr id="20" name="TextBox 19">
+              <a:extLst>
+                <a:ext uri="{FF2B5EF4-FFF2-40B4-BE49-F238E27FC236}">
+                  <a16:creationId xmlns:a16="http://schemas.microsoft.com/office/drawing/2014/main" id="{DD00C6CC-AD14-604C-9390-D1E688AC3A03}"/>
+                </a:ext>
+              </a:extLst>
+            </p:cNvPr>
+            <p:cNvSpPr txBox="1"/>
+            <p:nvPr/>
+          </p:nvSpPr>
+          <p:spPr>
+            <a:xfrm>
+              <a:off x="10020035" y="3810642"/>
+              <a:ext cx="612129" cy="276999"/>
+            </a:xfrm>
+            <a:prstGeom prst="rect">
+              <a:avLst/>
+            </a:prstGeom>
+            <a:solidFill>
+              <a:schemeClr val="bg1"/>
+            </a:solidFill>
+          </p:spPr>
+          <p:txBody>
+            <a:bodyPr wrap="square" rtlCol="0">
+              <a:spAutoFit/>
+            </a:bodyPr>
+            <a:lstStyle/>
+            <a:p>
+              <a:pPr algn="ctr"/>
+              <a:r>
+                <a:rPr lang="en-US" sz="1200" dirty="0" err="1">
+                  <a:latin typeface="Helvetica" pitchFamily="2" charset="0"/>
+                </a:rPr>
+                <a:t>SMø</a:t>
+              </a:r>
+              <a:endParaRPr lang="en-US" dirty="0">
+                <a:latin typeface="Helvetica" pitchFamily="2" charset="0"/>
+              </a:endParaRPr>
             </a:p>
           </p:txBody>
         </p:sp>
